--- a/Task1/ubuntu.pptx
+++ b/Task1/ubuntu.pptx
@@ -9,14 +9,27 @@
     <p:sldId id="310" r:id="rId6"/>
     <p:sldId id="311" r:id="rId7"/>
     <p:sldId id="312" r:id="rId8"/>
-    <p:sldId id="313" r:id="rId9"/>
-    <p:sldId id="314" r:id="rId10"/>
-    <p:sldId id="315" r:id="rId11"/>
-    <p:sldId id="316" r:id="rId12"/>
-    <p:sldId id="317" r:id="rId13"/>
-    <p:sldId id="318" r:id="rId14"/>
-    <p:sldId id="319" r:id="rId15"/>
-    <p:sldId id="320" r:id="rId16"/>
+    <p:sldId id="321" r:id="rId9"/>
+    <p:sldId id="313" r:id="rId10"/>
+    <p:sldId id="322" r:id="rId11"/>
+    <p:sldId id="323" r:id="rId12"/>
+    <p:sldId id="314" r:id="rId13"/>
+    <p:sldId id="324" r:id="rId14"/>
+    <p:sldId id="315" r:id="rId15"/>
+    <p:sldId id="316" r:id="rId16"/>
+    <p:sldId id="317" r:id="rId17"/>
+    <p:sldId id="318" r:id="rId18"/>
+    <p:sldId id="319" r:id="rId19"/>
+    <p:sldId id="320" r:id="rId20"/>
+    <p:sldId id="325" r:id="rId21"/>
+    <p:sldId id="326" r:id="rId22"/>
+    <p:sldId id="327" r:id="rId23"/>
+    <p:sldId id="328" r:id="rId24"/>
+    <p:sldId id="329" r:id="rId25"/>
+    <p:sldId id="330" r:id="rId26"/>
+    <p:sldId id="331" r:id="rId27"/>
+    <p:sldId id="332" r:id="rId28"/>
+    <p:sldId id="333" r:id="rId29"/>
   </p:sldIdLst>
   <p:sldSz cx="12192000" cy="6858000"/>
   <p:notesSz cx="6858000" cy="9144000"/>
@@ -4125,7 +4138,7 @@
           <a:p>
             <a:fld id="{9184DA70-C731-4C70-880D-CCD4705E623C}" type="datetime1">
               <a:rPr lang="en-US" smtClean="0"/>
-              <a:t>2/10/2021</a:t>
+              <a:t>2/11/2021</a:t>
             </a:fld>
             <a:endParaRPr lang="en-US" dirty="0"/>
           </a:p>
@@ -4313,7 +4326,7 @@
           <a:p>
             <a:fld id="{4BE1D723-8F53-4F53-90B0-1982A396982E}" type="datetime1">
               <a:rPr lang="en-US" smtClean="0"/>
-              <a:t>2/10/2021</a:t>
+              <a:t>2/11/2021</a:t>
             </a:fld>
             <a:endParaRPr lang="en-US" dirty="0"/>
           </a:p>
@@ -4686,7 +4699,7 @@
           <a:p>
             <a:fld id="{97669AF7-7BEB-44E4-9852-375E34362B5B}" type="datetime1">
               <a:rPr lang="en-US" smtClean="0"/>
-              <a:t>2/10/2021</a:t>
+              <a:t>2/11/2021</a:t>
             </a:fld>
             <a:endParaRPr lang="en-US" dirty="0"/>
           </a:p>
@@ -4941,7 +4954,7 @@
           <a:p>
             <a:fld id="{BAAAC38D-0552-4C82-B593-E6124DFADBE2}" type="datetime1">
               <a:rPr lang="en-US" smtClean="0"/>
-              <a:t>2/10/2021</a:t>
+              <a:t>2/11/2021</a:t>
             </a:fld>
             <a:endParaRPr lang="en-US" dirty="0"/>
           </a:p>
@@ -5338,7 +5351,7 @@
           <a:p>
             <a:fld id="{D9DF0F1C-5577-4ACB-BB62-DF8F3C494C7E}" type="datetime1">
               <a:rPr lang="en-US" smtClean="0"/>
-              <a:t>2/10/2021</a:t>
+              <a:t>2/11/2021</a:t>
             </a:fld>
             <a:endParaRPr lang="en-US" dirty="0"/>
           </a:p>
@@ -5474,7 +5487,7 @@
           <a:p>
             <a:fld id="{1775B394-D9F9-4F0C-B15D-605F45CB9E9F}" type="datetime1">
               <a:rPr lang="en-US" smtClean="0"/>
-              <a:t>2/10/2021</a:t>
+              <a:t>2/11/2021</a:t>
             </a:fld>
             <a:endParaRPr lang="en-US" dirty="0"/>
           </a:p>
@@ -5631,7 +5644,7 @@
           <a:p>
             <a:fld id="{39667345-2558-425A-8533-9BFDBCE15005}" type="datetime1">
               <a:rPr lang="en-US" smtClean="0"/>
-              <a:t>2/10/2021</a:t>
+              <a:t>2/11/2021</a:t>
             </a:fld>
             <a:endParaRPr lang="en-US" dirty="0"/>
           </a:p>
@@ -5960,7 +5973,7 @@
           <a:p>
             <a:fld id="{92BEA474-078D-4E9B-9B14-09A87B19DC46}" type="datetime1">
               <a:rPr lang="en-US" smtClean="0"/>
-              <a:t>2/10/2021</a:t>
+              <a:t>2/11/2021</a:t>
             </a:fld>
             <a:endParaRPr lang="en-US" dirty="0"/>
           </a:p>
@@ -6310,7 +6323,7 @@
           <a:p>
             <a:fld id="{4907D986-8816-4272-A432-0437A28A9828}" type="datetime1">
               <a:rPr lang="en-US" smtClean="0"/>
-              <a:t>2/10/2021</a:t>
+              <a:t>2/11/2021</a:t>
             </a:fld>
             <a:endParaRPr lang="en-US" dirty="0"/>
           </a:p>
@@ -6571,7 +6584,7 @@
           <a:p>
             <a:fld id="{62D6E202-B606-4609-B914-27C9371A1F6D}" type="datetime1">
               <a:rPr lang="en-US" smtClean="0"/>
-              <a:t>2/10/2021</a:t>
+              <a:t>2/11/2021</a:t>
             </a:fld>
             <a:endParaRPr lang="en-US" dirty="0"/>
           </a:p>
@@ -7394,6 +7407,529 @@
           <p:cNvPr id="2" name="Title 1">
             <a:extLst>
               <a:ext uri="{FF2B5EF4-FFF2-40B4-BE49-F238E27FC236}">
+                <a16:creationId xmlns:a16="http://schemas.microsoft.com/office/drawing/2014/main" id="{4D12BC4F-71E7-4B52-8056-C6BE121BDDA8}"/>
+              </a:ext>
+            </a:extLst>
+          </p:cNvPr>
+          <p:cNvSpPr>
+            <a:spLocks noGrp="1"/>
+          </p:cNvSpPr>
+          <p:nvPr>
+            <p:ph type="title"/>
+          </p:nvPr>
+        </p:nvSpPr>
+        <p:spPr/>
+        <p:txBody>
+          <a:bodyPr/>
+          <a:lstStyle/>
+          <a:p>
+            <a:r>
+              <a:rPr lang="en-US" dirty="0"/>
+              <a:t>SCREENSHOTS OF THE COMMANDS.</a:t>
+            </a:r>
+            <a:endParaRPr lang="en-IN" dirty="0"/>
+          </a:p>
+        </p:txBody>
+      </p:sp>
+      <p:pic>
+        <p:nvPicPr>
+          <p:cNvPr id="5" name="Content Placeholder 4">
+            <a:extLst>
+              <a:ext uri="{FF2B5EF4-FFF2-40B4-BE49-F238E27FC236}">
+                <a16:creationId xmlns:a16="http://schemas.microsoft.com/office/drawing/2014/main" id="{B9C78B98-81E9-473F-84AC-4E0BACBBEB02}"/>
+              </a:ext>
+            </a:extLst>
+          </p:cNvPr>
+          <p:cNvPicPr>
+            <a:picLocks noGrp="1" noChangeAspect="1"/>
+          </p:cNvPicPr>
+          <p:nvPr>
+            <p:ph idx="1"/>
+          </p:nvPr>
+        </p:nvPicPr>
+        <p:blipFill>
+          <a:blip r:embed="rId2"/>
+          <a:stretch>
+            <a:fillRect/>
+          </a:stretch>
+        </p:blipFill>
+        <p:spPr>
+          <a:xfrm>
+            <a:off x="3618971" y="2108200"/>
+            <a:ext cx="5014384" cy="3760788"/>
+          </a:xfrm>
+        </p:spPr>
+      </p:pic>
+    </p:spTree>
+    <p:extLst>
+      <p:ext uri="{BB962C8B-B14F-4D97-AF65-F5344CB8AC3E}">
+        <p14:creationId xmlns:p14="http://schemas.microsoft.com/office/powerpoint/2010/main" val="1552884237"/>
+      </p:ext>
+    </p:extLst>
+  </p:cSld>
+  <p:clrMapOvr>
+    <a:masterClrMapping/>
+  </p:clrMapOvr>
+</p:sld>
+</file>
+
+<file path=ppt/slides/slide11.xml><?xml version="1.0" encoding="utf-8"?>
+<p:sld xmlns:a="http://schemas.openxmlformats.org/drawingml/2006/main" xmlns:r="http://schemas.openxmlformats.org/officeDocument/2006/relationships" xmlns:p="http://schemas.openxmlformats.org/presentationml/2006/main">
+  <p:cSld>
+    <p:spTree>
+      <p:nvGrpSpPr>
+        <p:cNvPr id="1" name=""/>
+        <p:cNvGrpSpPr/>
+        <p:nvPr/>
+      </p:nvGrpSpPr>
+      <p:grpSpPr>
+        <a:xfrm>
+          <a:off x="0" y="0"/>
+          <a:ext cx="0" cy="0"/>
+          <a:chOff x="0" y="0"/>
+          <a:chExt cx="0" cy="0"/>
+        </a:xfrm>
+      </p:grpSpPr>
+      <p:sp>
+        <p:nvSpPr>
+          <p:cNvPr id="2" name="Title 1">
+            <a:extLst>
+              <a:ext uri="{FF2B5EF4-FFF2-40B4-BE49-F238E27FC236}">
+                <a16:creationId xmlns:a16="http://schemas.microsoft.com/office/drawing/2014/main" id="{A6F8535C-3B8A-4169-8086-1F5DC2BB01BA}"/>
+              </a:ext>
+            </a:extLst>
+          </p:cNvPr>
+          <p:cNvSpPr>
+            <a:spLocks noGrp="1"/>
+          </p:cNvSpPr>
+          <p:nvPr>
+            <p:ph type="title"/>
+          </p:nvPr>
+        </p:nvSpPr>
+        <p:spPr/>
+        <p:txBody>
+          <a:bodyPr/>
+          <a:lstStyle/>
+          <a:p>
+            <a:r>
+              <a:rPr lang="en-US" dirty="0"/>
+              <a:t>PERMISSIONS</a:t>
+            </a:r>
+            <a:endParaRPr lang="en-IN" dirty="0"/>
+          </a:p>
+        </p:txBody>
+      </p:sp>
+      <p:sp>
+        <p:nvSpPr>
+          <p:cNvPr id="3" name="Content Placeholder 2">
+            <a:extLst>
+              <a:ext uri="{FF2B5EF4-FFF2-40B4-BE49-F238E27FC236}">
+                <a16:creationId xmlns:a16="http://schemas.microsoft.com/office/drawing/2014/main" id="{BF5D3275-C322-42F9-878B-96B7156BC955}"/>
+              </a:ext>
+            </a:extLst>
+          </p:cNvPr>
+          <p:cNvSpPr>
+            <a:spLocks noGrp="1"/>
+          </p:cNvSpPr>
+          <p:nvPr>
+            <p:ph idx="1"/>
+          </p:nvPr>
+        </p:nvSpPr>
+        <p:spPr/>
+        <p:txBody>
+          <a:bodyPr/>
+          <a:lstStyle/>
+          <a:p>
+            <a:r>
+              <a:rPr lang="en-US" dirty="0"/>
+              <a:t>When we use any of the ‘ls’ commands we get the details of the file/directory.</a:t>
+            </a:r>
+          </a:p>
+          <a:p>
+            <a:r>
+              <a:rPr lang="en-IN" dirty="0"/>
+              <a:t>The structure here is:</a:t>
+            </a:r>
+          </a:p>
+          <a:p>
+            <a:r>
+              <a:rPr lang="en-IN" dirty="0" err="1"/>
+              <a:t>drwr</a:t>
+            </a:r>
+            <a:r>
+              <a:rPr lang="en-IN" dirty="0"/>
+              <a:t> –</a:t>
+            </a:r>
+            <a:r>
+              <a:rPr lang="en-IN" dirty="0" err="1"/>
+              <a:t>xr</a:t>
+            </a:r>
+            <a:r>
+              <a:rPr lang="en-IN" dirty="0"/>
+              <a:t> –x 2 </a:t>
+            </a:r>
+            <a:r>
+              <a:rPr lang="en-IN" dirty="0" err="1"/>
+              <a:t>siju</a:t>
+            </a:r>
+            <a:r>
+              <a:rPr lang="en-IN" dirty="0"/>
+              <a:t> </a:t>
+            </a:r>
+            <a:r>
+              <a:rPr lang="en-IN" dirty="0" err="1"/>
+              <a:t>siju</a:t>
+            </a:r>
+            <a:r>
+              <a:rPr lang="en-IN" dirty="0"/>
+              <a:t> 4096 &lt;date and time&gt; Desktop</a:t>
+            </a:r>
+          </a:p>
+          <a:p>
+            <a:r>
+              <a:rPr lang="en-IN" dirty="0"/>
+              <a:t>Here, </a:t>
+            </a:r>
+            <a:r>
+              <a:rPr lang="en-IN" dirty="0" err="1"/>
+              <a:t>drwr</a:t>
+            </a:r>
+            <a:r>
+              <a:rPr lang="en-IN" dirty="0"/>
+              <a:t> –</a:t>
+            </a:r>
+            <a:r>
+              <a:rPr lang="en-IN" dirty="0" err="1"/>
+              <a:t>xr</a:t>
+            </a:r>
+            <a:r>
+              <a:rPr lang="en-IN" dirty="0"/>
+              <a:t> –x is the set of permissions.</a:t>
+            </a:r>
+          </a:p>
+          <a:p>
+            <a:r>
+              <a:rPr lang="en-IN" dirty="0"/>
+              <a:t>2 is the memory block. </a:t>
+            </a:r>
+          </a:p>
+          <a:p>
+            <a:r>
+              <a:rPr lang="en-IN" dirty="0" err="1"/>
+              <a:t>Siju</a:t>
+            </a:r>
+            <a:r>
+              <a:rPr lang="en-IN" dirty="0"/>
+              <a:t> </a:t>
+            </a:r>
+            <a:r>
+              <a:rPr lang="en-IN" dirty="0" err="1"/>
+              <a:t>siju</a:t>
+            </a:r>
+            <a:r>
+              <a:rPr lang="en-IN" dirty="0"/>
+              <a:t> is owner and group name respectively. </a:t>
+            </a:r>
+          </a:p>
+          <a:p>
+            <a:r>
+              <a:rPr lang="en-IN" dirty="0"/>
+              <a:t>4096 is the size of the blocks.</a:t>
+            </a:r>
+          </a:p>
+        </p:txBody>
+      </p:sp>
+    </p:spTree>
+    <p:extLst>
+      <p:ext uri="{BB962C8B-B14F-4D97-AF65-F5344CB8AC3E}">
+        <p14:creationId xmlns:p14="http://schemas.microsoft.com/office/powerpoint/2010/main" val="1707171263"/>
+      </p:ext>
+    </p:extLst>
+  </p:cSld>
+  <p:clrMapOvr>
+    <a:masterClrMapping/>
+  </p:clrMapOvr>
+</p:sld>
+</file>
+
+<file path=ppt/slides/slide12.xml><?xml version="1.0" encoding="utf-8"?>
+<p:sld xmlns:a="http://schemas.openxmlformats.org/drawingml/2006/main" xmlns:r="http://schemas.openxmlformats.org/officeDocument/2006/relationships" xmlns:p="http://schemas.openxmlformats.org/presentationml/2006/main">
+  <p:cSld>
+    <p:spTree>
+      <p:nvGrpSpPr>
+        <p:cNvPr id="1" name=""/>
+        <p:cNvGrpSpPr/>
+        <p:nvPr/>
+      </p:nvGrpSpPr>
+      <p:grpSpPr>
+        <a:xfrm>
+          <a:off x="0" y="0"/>
+          <a:ext cx="0" cy="0"/>
+          <a:chOff x="0" y="0"/>
+          <a:chExt cx="0" cy="0"/>
+        </a:xfrm>
+      </p:grpSpPr>
+      <p:sp>
+        <p:nvSpPr>
+          <p:cNvPr id="2" name="Title 1">
+            <a:extLst>
+              <a:ext uri="{FF2B5EF4-FFF2-40B4-BE49-F238E27FC236}">
+                <a16:creationId xmlns:a16="http://schemas.microsoft.com/office/drawing/2014/main" id="{88B7E55C-CEDF-4296-857C-F1757B323EE1}"/>
+              </a:ext>
+            </a:extLst>
+          </p:cNvPr>
+          <p:cNvSpPr>
+            <a:spLocks noGrp="1"/>
+          </p:cNvSpPr>
+          <p:nvPr>
+            <p:ph type="title"/>
+          </p:nvPr>
+        </p:nvSpPr>
+        <p:spPr/>
+        <p:txBody>
+          <a:bodyPr/>
+          <a:lstStyle/>
+          <a:p>
+            <a:r>
+              <a:rPr lang="en-US" dirty="0"/>
+              <a:t>CONTD..</a:t>
+            </a:r>
+            <a:endParaRPr lang="en-IN" dirty="0"/>
+          </a:p>
+        </p:txBody>
+      </p:sp>
+      <p:sp>
+        <p:nvSpPr>
+          <p:cNvPr id="3" name="Content Placeholder 2">
+            <a:extLst>
+              <a:ext uri="{FF2B5EF4-FFF2-40B4-BE49-F238E27FC236}">
+                <a16:creationId xmlns:a16="http://schemas.microsoft.com/office/drawing/2014/main" id="{BDE4C15D-4FC8-47A8-86F8-D8537B44A3F4}"/>
+              </a:ext>
+            </a:extLst>
+          </p:cNvPr>
+          <p:cNvSpPr>
+            <a:spLocks noGrp="1"/>
+          </p:cNvSpPr>
+          <p:nvPr>
+            <p:ph idx="1"/>
+          </p:nvPr>
+        </p:nvSpPr>
+        <p:spPr/>
+        <p:txBody>
+          <a:bodyPr>
+            <a:normAutofit lnSpcReduction="10000"/>
+          </a:bodyPr>
+          <a:lstStyle/>
+          <a:p>
+            <a:r>
+              <a:rPr lang="en-US" dirty="0"/>
+              <a:t>There are 3 levels of permissions:</a:t>
+            </a:r>
+          </a:p>
+          <a:p>
+            <a:r>
+              <a:rPr lang="en-US" dirty="0"/>
+              <a:t>1. Owner permission</a:t>
+            </a:r>
+          </a:p>
+          <a:p>
+            <a:r>
+              <a:rPr lang="en-US" dirty="0"/>
+              <a:t>2. Group Permission</a:t>
+            </a:r>
+          </a:p>
+          <a:p>
+            <a:r>
+              <a:rPr lang="en-US" dirty="0"/>
+              <a:t>3. Other world permission</a:t>
+            </a:r>
+          </a:p>
+          <a:p>
+            <a:r>
+              <a:rPr lang="en-US" dirty="0"/>
+              <a:t>r: denotes read grant.</a:t>
+            </a:r>
+          </a:p>
+          <a:p>
+            <a:r>
+              <a:rPr lang="en-US" dirty="0"/>
+              <a:t>w: denotes write grant.</a:t>
+            </a:r>
+          </a:p>
+          <a:p>
+            <a:r>
+              <a:rPr lang="en-US" dirty="0"/>
+              <a:t>x: denotes executable grant.</a:t>
+            </a:r>
+          </a:p>
+          <a:p>
+            <a:r>
+              <a:rPr lang="en-US" dirty="0" err="1"/>
+              <a:t>Eg</a:t>
+            </a:r>
+            <a:r>
+              <a:rPr lang="en-US" dirty="0"/>
+              <a:t>:- </a:t>
+            </a:r>
+            <a:r>
+              <a:rPr lang="en-US" dirty="0" err="1"/>
+              <a:t>drwx</a:t>
+            </a:r>
+            <a:r>
+              <a:rPr lang="en-US" dirty="0"/>
+              <a:t> r-x </a:t>
+            </a:r>
+            <a:r>
+              <a:rPr lang="en-US" dirty="0" err="1"/>
+              <a:t>r-x</a:t>
+            </a:r>
+            <a:r>
+              <a:rPr lang="en-US" dirty="0"/>
+              <a:t>.</a:t>
+            </a:r>
+            <a:endParaRPr lang="en-IN" dirty="0"/>
+          </a:p>
+        </p:txBody>
+      </p:sp>
+    </p:spTree>
+    <p:extLst>
+      <p:ext uri="{BB962C8B-B14F-4D97-AF65-F5344CB8AC3E}">
+        <p14:creationId xmlns:p14="http://schemas.microsoft.com/office/powerpoint/2010/main" val="3835210862"/>
+      </p:ext>
+    </p:extLst>
+  </p:cSld>
+  <p:clrMapOvr>
+    <a:masterClrMapping/>
+  </p:clrMapOvr>
+</p:sld>
+</file>
+
+<file path=ppt/slides/slide13.xml><?xml version="1.0" encoding="utf-8"?>
+<p:sld xmlns:a="http://schemas.openxmlformats.org/drawingml/2006/main" xmlns:r="http://schemas.openxmlformats.org/officeDocument/2006/relationships" xmlns:p="http://schemas.openxmlformats.org/presentationml/2006/main">
+  <p:cSld>
+    <p:spTree>
+      <p:nvGrpSpPr>
+        <p:cNvPr id="1" name=""/>
+        <p:cNvGrpSpPr/>
+        <p:nvPr/>
+      </p:nvGrpSpPr>
+      <p:grpSpPr>
+        <a:xfrm>
+          <a:off x="0" y="0"/>
+          <a:ext cx="0" cy="0"/>
+          <a:chOff x="0" y="0"/>
+          <a:chExt cx="0" cy="0"/>
+        </a:xfrm>
+      </p:grpSpPr>
+      <p:sp>
+        <p:nvSpPr>
+          <p:cNvPr id="2" name="Title 1">
+            <a:extLst>
+              <a:ext uri="{FF2B5EF4-FFF2-40B4-BE49-F238E27FC236}">
+                <a16:creationId xmlns:a16="http://schemas.microsoft.com/office/drawing/2014/main" id="{AA138658-6FDD-47BE-BA5F-60C2E8F6199A}"/>
+              </a:ext>
+            </a:extLst>
+          </p:cNvPr>
+          <p:cNvSpPr>
+            <a:spLocks noGrp="1"/>
+          </p:cNvSpPr>
+          <p:nvPr>
+            <p:ph type="title"/>
+          </p:nvPr>
+        </p:nvSpPr>
+        <p:spPr/>
+        <p:txBody>
+          <a:bodyPr/>
+          <a:lstStyle/>
+          <a:p>
+            <a:r>
+              <a:rPr lang="en-US" dirty="0"/>
+              <a:t>CONTD..</a:t>
+            </a:r>
+            <a:endParaRPr lang="en-IN" dirty="0"/>
+          </a:p>
+        </p:txBody>
+      </p:sp>
+      <p:sp>
+        <p:nvSpPr>
+          <p:cNvPr id="3" name="Content Placeholder 2">
+            <a:extLst>
+              <a:ext uri="{FF2B5EF4-FFF2-40B4-BE49-F238E27FC236}">
+                <a16:creationId xmlns:a16="http://schemas.microsoft.com/office/drawing/2014/main" id="{AF9FD8A7-E4E7-4344-8921-7E82D2D969CA}"/>
+              </a:ext>
+            </a:extLst>
+          </p:cNvPr>
+          <p:cNvSpPr>
+            <a:spLocks noGrp="1"/>
+          </p:cNvSpPr>
+          <p:nvPr>
+            <p:ph idx="1"/>
+          </p:nvPr>
+        </p:nvSpPr>
+        <p:spPr/>
+        <p:txBody>
+          <a:bodyPr/>
+          <a:lstStyle/>
+          <a:p>
+            <a:r>
+              <a:rPr lang="en-US" dirty="0"/>
+              <a:t>There are 2 ways to change the mode of permissions.</a:t>
+            </a:r>
+          </a:p>
+          <a:p>
+            <a:r>
+              <a:rPr lang="en-US" dirty="0"/>
+              <a:t>1.</a:t>
+            </a:r>
+            <a:r>
+              <a:rPr lang="en-IN" dirty="0"/>
+              <a:t> Symbolic Method.</a:t>
+            </a:r>
+          </a:p>
+          <a:p>
+            <a:r>
+              <a:rPr lang="en-IN" dirty="0"/>
+              <a:t>2. Absolute/Octal Method.</a:t>
+            </a:r>
+            <a:endParaRPr lang="en-US" dirty="0"/>
+          </a:p>
+        </p:txBody>
+      </p:sp>
+    </p:spTree>
+    <p:extLst>
+      <p:ext uri="{BB962C8B-B14F-4D97-AF65-F5344CB8AC3E}">
+        <p14:creationId xmlns:p14="http://schemas.microsoft.com/office/powerpoint/2010/main" val="3774753702"/>
+      </p:ext>
+    </p:extLst>
+  </p:cSld>
+  <p:clrMapOvr>
+    <a:masterClrMapping/>
+  </p:clrMapOvr>
+</p:sld>
+</file>
+
+<file path=ppt/slides/slide14.xml><?xml version="1.0" encoding="utf-8"?>
+<p:sld xmlns:a="http://schemas.openxmlformats.org/drawingml/2006/main" xmlns:r="http://schemas.openxmlformats.org/officeDocument/2006/relationships" xmlns:p="http://schemas.openxmlformats.org/presentationml/2006/main">
+  <p:cSld>
+    <p:spTree>
+      <p:nvGrpSpPr>
+        <p:cNvPr id="1" name=""/>
+        <p:cNvGrpSpPr/>
+        <p:nvPr/>
+      </p:nvGrpSpPr>
+      <p:grpSpPr>
+        <a:xfrm>
+          <a:off x="0" y="0"/>
+          <a:ext cx="0" cy="0"/>
+          <a:chOff x="0" y="0"/>
+          <a:chExt cx="0" cy="0"/>
+        </a:xfrm>
+      </p:grpSpPr>
+      <p:sp>
+        <p:nvSpPr>
+          <p:cNvPr id="2" name="Title 1">
+            <a:extLst>
+              <a:ext uri="{FF2B5EF4-FFF2-40B4-BE49-F238E27FC236}">
                 <a16:creationId xmlns:a16="http://schemas.microsoft.com/office/drawing/2014/main" id="{C7950FFA-F2A9-41C2-AC78-052E57ED0B93}"/>
               </a:ext>
             </a:extLst>
@@ -7548,7 +8084,7 @@
 </p:sld>
 </file>
 
-<file path=ppt/slides/slide11.xml><?xml version="1.0" encoding="utf-8"?>
+<file path=ppt/slides/slide15.xml><?xml version="1.0" encoding="utf-8"?>
 <p:sld xmlns:a="http://schemas.openxmlformats.org/drawingml/2006/main" xmlns:r="http://schemas.openxmlformats.org/officeDocument/2006/relationships" xmlns:p="http://schemas.openxmlformats.org/presentationml/2006/main">
   <p:cSld>
     <p:spTree>
@@ -7703,7 +8239,7 @@
 </p:sld>
 </file>
 
-<file path=ppt/slides/slide12.xml><?xml version="1.0" encoding="utf-8"?>
+<file path=ppt/slides/slide16.xml><?xml version="1.0" encoding="utf-8"?>
 <p:sld xmlns:a="http://schemas.openxmlformats.org/drawingml/2006/main" xmlns:r="http://schemas.openxmlformats.org/officeDocument/2006/relationships" xmlns:p="http://schemas.openxmlformats.org/presentationml/2006/main">
   <p:cSld>
     <p:spTree>
@@ -7804,6 +8340,270 @@
     <p:extLst>
       <p:ext uri="{BB962C8B-B14F-4D97-AF65-F5344CB8AC3E}">
         <p14:creationId xmlns:p14="http://schemas.microsoft.com/office/powerpoint/2010/main" val="413105314"/>
+      </p:ext>
+    </p:extLst>
+  </p:cSld>
+  <p:clrMapOvr>
+    <a:masterClrMapping/>
+  </p:clrMapOvr>
+</p:sld>
+</file>
+
+<file path=ppt/slides/slide17.xml><?xml version="1.0" encoding="utf-8"?>
+<p:sld xmlns:a="http://schemas.openxmlformats.org/drawingml/2006/main" xmlns:r="http://schemas.openxmlformats.org/officeDocument/2006/relationships" xmlns:p="http://schemas.openxmlformats.org/presentationml/2006/main">
+  <p:cSld>
+    <p:spTree>
+      <p:nvGrpSpPr>
+        <p:cNvPr id="1" name=""/>
+        <p:cNvGrpSpPr/>
+        <p:nvPr/>
+      </p:nvGrpSpPr>
+      <p:grpSpPr>
+        <a:xfrm>
+          <a:off x="0" y="0"/>
+          <a:ext cx="0" cy="0"/>
+          <a:chOff x="0" y="0"/>
+          <a:chExt cx="0" cy="0"/>
+        </a:xfrm>
+      </p:grpSpPr>
+      <p:sp>
+        <p:nvSpPr>
+          <p:cNvPr id="2" name="Title 1">
+            <a:extLst>
+              <a:ext uri="{FF2B5EF4-FFF2-40B4-BE49-F238E27FC236}">
+                <a16:creationId xmlns:a16="http://schemas.microsoft.com/office/drawing/2014/main" id="{90C307A5-99E9-4DCE-9596-E5ABDA21D855}"/>
+              </a:ext>
+            </a:extLst>
+          </p:cNvPr>
+          <p:cNvSpPr>
+            <a:spLocks noGrp="1"/>
+          </p:cNvSpPr>
+          <p:nvPr>
+            <p:ph type="title"/>
+          </p:nvPr>
+        </p:nvSpPr>
+        <p:spPr/>
+        <p:txBody>
+          <a:bodyPr/>
+          <a:lstStyle/>
+          <a:p>
+            <a:r>
+              <a:rPr lang="en-US" dirty="0"/>
+              <a:t>SCREENSHOTS.</a:t>
+            </a:r>
+            <a:endParaRPr lang="en-IN" dirty="0"/>
+          </a:p>
+        </p:txBody>
+      </p:sp>
+      <p:pic>
+        <p:nvPicPr>
+          <p:cNvPr id="5" name="Content Placeholder 4">
+            <a:extLst>
+              <a:ext uri="{FF2B5EF4-FFF2-40B4-BE49-F238E27FC236}">
+                <a16:creationId xmlns:a16="http://schemas.microsoft.com/office/drawing/2014/main" id="{CD5AC629-5977-47C7-AE87-B4411593EAAC}"/>
+              </a:ext>
+            </a:extLst>
+          </p:cNvPr>
+          <p:cNvPicPr>
+            <a:picLocks noGrp="1" noChangeAspect="1"/>
+          </p:cNvPicPr>
+          <p:nvPr>
+            <p:ph idx="1"/>
+          </p:nvPr>
+        </p:nvPicPr>
+        <p:blipFill>
+          <a:blip r:embed="rId2"/>
+          <a:stretch>
+            <a:fillRect/>
+          </a:stretch>
+        </p:blipFill>
+        <p:spPr>
+          <a:xfrm>
+            <a:off x="3618971" y="2108200"/>
+            <a:ext cx="5014384" cy="3760788"/>
+          </a:xfrm>
+        </p:spPr>
+      </p:pic>
+    </p:spTree>
+    <p:extLst>
+      <p:ext uri="{BB962C8B-B14F-4D97-AF65-F5344CB8AC3E}">
+        <p14:creationId xmlns:p14="http://schemas.microsoft.com/office/powerpoint/2010/main" val="313579883"/>
+      </p:ext>
+    </p:extLst>
+  </p:cSld>
+  <p:clrMapOvr>
+    <a:masterClrMapping/>
+  </p:clrMapOvr>
+</p:sld>
+</file>
+
+<file path=ppt/slides/slide18.xml><?xml version="1.0" encoding="utf-8"?>
+<p:sld xmlns:a="http://schemas.openxmlformats.org/drawingml/2006/main" xmlns:r="http://schemas.openxmlformats.org/officeDocument/2006/relationships" xmlns:p="http://schemas.openxmlformats.org/presentationml/2006/main">
+  <p:cSld>
+    <p:spTree>
+      <p:nvGrpSpPr>
+        <p:cNvPr id="1" name=""/>
+        <p:cNvGrpSpPr/>
+        <p:nvPr/>
+      </p:nvGrpSpPr>
+      <p:grpSpPr>
+        <a:xfrm>
+          <a:off x="0" y="0"/>
+          <a:ext cx="0" cy="0"/>
+          <a:chOff x="0" y="0"/>
+          <a:chExt cx="0" cy="0"/>
+        </a:xfrm>
+      </p:grpSpPr>
+      <p:sp>
+        <p:nvSpPr>
+          <p:cNvPr id="2" name="Title 1">
+            <a:extLst>
+              <a:ext uri="{FF2B5EF4-FFF2-40B4-BE49-F238E27FC236}">
+                <a16:creationId xmlns:a16="http://schemas.microsoft.com/office/drawing/2014/main" id="{5B2B6174-EC6F-4CBB-BCDA-720F600FA7AA}"/>
+              </a:ext>
+            </a:extLst>
+          </p:cNvPr>
+          <p:cNvSpPr>
+            <a:spLocks noGrp="1"/>
+          </p:cNvSpPr>
+          <p:nvPr>
+            <p:ph type="title"/>
+          </p:nvPr>
+        </p:nvSpPr>
+        <p:spPr/>
+        <p:txBody>
+          <a:bodyPr/>
+          <a:lstStyle/>
+          <a:p>
+            <a:r>
+              <a:rPr lang="en-US" dirty="0"/>
+              <a:t>SCREENSHOTS.</a:t>
+            </a:r>
+            <a:endParaRPr lang="en-IN" dirty="0"/>
+          </a:p>
+        </p:txBody>
+      </p:sp>
+      <p:pic>
+        <p:nvPicPr>
+          <p:cNvPr id="5" name="Content Placeholder 4">
+            <a:extLst>
+              <a:ext uri="{FF2B5EF4-FFF2-40B4-BE49-F238E27FC236}">
+                <a16:creationId xmlns:a16="http://schemas.microsoft.com/office/drawing/2014/main" id="{E9B2626F-B6F7-4A9A-923D-D3A59BCCB466}"/>
+              </a:ext>
+            </a:extLst>
+          </p:cNvPr>
+          <p:cNvPicPr>
+            <a:picLocks noGrp="1" noChangeAspect="1"/>
+          </p:cNvPicPr>
+          <p:nvPr>
+            <p:ph idx="1"/>
+          </p:nvPr>
+        </p:nvPicPr>
+        <p:blipFill>
+          <a:blip r:embed="rId2"/>
+          <a:stretch>
+            <a:fillRect/>
+          </a:stretch>
+        </p:blipFill>
+        <p:spPr>
+          <a:xfrm>
+            <a:off x="3618971" y="2108200"/>
+            <a:ext cx="5014384" cy="3760788"/>
+          </a:xfrm>
+        </p:spPr>
+      </p:pic>
+    </p:spTree>
+    <p:extLst>
+      <p:ext uri="{BB962C8B-B14F-4D97-AF65-F5344CB8AC3E}">
+        <p14:creationId xmlns:p14="http://schemas.microsoft.com/office/powerpoint/2010/main" val="1722248559"/>
+      </p:ext>
+    </p:extLst>
+  </p:cSld>
+  <p:clrMapOvr>
+    <a:masterClrMapping/>
+  </p:clrMapOvr>
+</p:sld>
+</file>
+
+<file path=ppt/slides/slide19.xml><?xml version="1.0" encoding="utf-8"?>
+<p:sld xmlns:a="http://schemas.openxmlformats.org/drawingml/2006/main" xmlns:r="http://schemas.openxmlformats.org/officeDocument/2006/relationships" xmlns:p="http://schemas.openxmlformats.org/presentationml/2006/main">
+  <p:cSld>
+    <p:spTree>
+      <p:nvGrpSpPr>
+        <p:cNvPr id="1" name=""/>
+        <p:cNvGrpSpPr/>
+        <p:nvPr/>
+      </p:nvGrpSpPr>
+      <p:grpSpPr>
+        <a:xfrm>
+          <a:off x="0" y="0"/>
+          <a:ext cx="0" cy="0"/>
+          <a:chOff x="0" y="0"/>
+          <a:chExt cx="0" cy="0"/>
+        </a:xfrm>
+      </p:grpSpPr>
+      <p:sp>
+        <p:nvSpPr>
+          <p:cNvPr id="2" name="Title 1">
+            <a:extLst>
+              <a:ext uri="{FF2B5EF4-FFF2-40B4-BE49-F238E27FC236}">
+                <a16:creationId xmlns:a16="http://schemas.microsoft.com/office/drawing/2014/main" id="{D8F788DC-3FDB-4385-A0CC-7D9281A69871}"/>
+              </a:ext>
+            </a:extLst>
+          </p:cNvPr>
+          <p:cNvSpPr>
+            <a:spLocks noGrp="1"/>
+          </p:cNvSpPr>
+          <p:nvPr>
+            <p:ph type="title"/>
+          </p:nvPr>
+        </p:nvSpPr>
+        <p:spPr/>
+        <p:txBody>
+          <a:bodyPr/>
+          <a:lstStyle/>
+          <a:p>
+            <a:r>
+              <a:rPr lang="en-US" dirty="0"/>
+              <a:t>SCREENSHOTS.</a:t>
+            </a:r>
+            <a:endParaRPr lang="en-IN" dirty="0"/>
+          </a:p>
+        </p:txBody>
+      </p:sp>
+      <p:pic>
+        <p:nvPicPr>
+          <p:cNvPr id="5" name="Content Placeholder 4">
+            <a:extLst>
+              <a:ext uri="{FF2B5EF4-FFF2-40B4-BE49-F238E27FC236}">
+                <a16:creationId xmlns:a16="http://schemas.microsoft.com/office/drawing/2014/main" id="{ADC75B98-D9FE-4C19-B7AF-335EC1B50535}"/>
+              </a:ext>
+            </a:extLst>
+          </p:cNvPr>
+          <p:cNvPicPr>
+            <a:picLocks noGrp="1" noChangeAspect="1"/>
+          </p:cNvPicPr>
+          <p:nvPr>
+            <p:ph idx="1"/>
+          </p:nvPr>
+        </p:nvPicPr>
+        <p:blipFill>
+          <a:blip r:embed="rId2"/>
+          <a:stretch>
+            <a:fillRect/>
+          </a:stretch>
+        </p:blipFill>
+        <p:spPr>
+          <a:xfrm>
+            <a:off x="3618971" y="2108200"/>
+            <a:ext cx="5014384" cy="3760788"/>
+          </a:xfrm>
+        </p:spPr>
+      </p:pic>
+    </p:spTree>
+    <p:extLst>
+      <p:ext uri="{BB962C8B-B14F-4D97-AF65-F5344CB8AC3E}">
+        <p14:creationId xmlns:p14="http://schemas.microsoft.com/office/powerpoint/2010/main" val="2101330652"/>
       </p:ext>
     </p:extLst>
   </p:cSld>
@@ -7908,6 +8708,534 @@
     <p:extLst>
       <p:ext uri="{BB962C8B-B14F-4D97-AF65-F5344CB8AC3E}">
         <p14:creationId xmlns:p14="http://schemas.microsoft.com/office/powerpoint/2010/main" val="2482546811"/>
+      </p:ext>
+    </p:extLst>
+  </p:cSld>
+  <p:clrMapOvr>
+    <a:masterClrMapping/>
+  </p:clrMapOvr>
+</p:sld>
+</file>
+
+<file path=ppt/slides/slide20.xml><?xml version="1.0" encoding="utf-8"?>
+<p:sld xmlns:a="http://schemas.openxmlformats.org/drawingml/2006/main" xmlns:r="http://schemas.openxmlformats.org/officeDocument/2006/relationships" xmlns:p="http://schemas.openxmlformats.org/presentationml/2006/main">
+  <p:cSld>
+    <p:spTree>
+      <p:nvGrpSpPr>
+        <p:cNvPr id="1" name=""/>
+        <p:cNvGrpSpPr/>
+        <p:nvPr/>
+      </p:nvGrpSpPr>
+      <p:grpSpPr>
+        <a:xfrm>
+          <a:off x="0" y="0"/>
+          <a:ext cx="0" cy="0"/>
+          <a:chOff x="0" y="0"/>
+          <a:chExt cx="0" cy="0"/>
+        </a:xfrm>
+      </p:grpSpPr>
+      <p:sp>
+        <p:nvSpPr>
+          <p:cNvPr id="2" name="Title 1">
+            <a:extLst>
+              <a:ext uri="{FF2B5EF4-FFF2-40B4-BE49-F238E27FC236}">
+                <a16:creationId xmlns:a16="http://schemas.microsoft.com/office/drawing/2014/main" id="{1819262E-036C-4D94-814F-C99D63481E60}"/>
+              </a:ext>
+            </a:extLst>
+          </p:cNvPr>
+          <p:cNvSpPr>
+            <a:spLocks noGrp="1"/>
+          </p:cNvSpPr>
+          <p:nvPr>
+            <p:ph type="title"/>
+          </p:nvPr>
+        </p:nvSpPr>
+        <p:spPr/>
+        <p:txBody>
+          <a:bodyPr/>
+          <a:lstStyle/>
+          <a:p>
+            <a:r>
+              <a:rPr lang="en-US" dirty="0"/>
+              <a:t>SCREENSHOTS.</a:t>
+            </a:r>
+            <a:endParaRPr lang="en-IN" dirty="0"/>
+          </a:p>
+        </p:txBody>
+      </p:sp>
+      <p:pic>
+        <p:nvPicPr>
+          <p:cNvPr id="7" name="Content Placeholder 6">
+            <a:extLst>
+              <a:ext uri="{FF2B5EF4-FFF2-40B4-BE49-F238E27FC236}">
+                <a16:creationId xmlns:a16="http://schemas.microsoft.com/office/drawing/2014/main" id="{0C72BDCE-B1E8-4A2D-89A1-06FB7B2BB77B}"/>
+              </a:ext>
+            </a:extLst>
+          </p:cNvPr>
+          <p:cNvPicPr>
+            <a:picLocks noGrp="1" noChangeAspect="1"/>
+          </p:cNvPicPr>
+          <p:nvPr>
+            <p:ph idx="1"/>
+          </p:nvPr>
+        </p:nvPicPr>
+        <p:blipFill>
+          <a:blip r:embed="rId2"/>
+          <a:stretch>
+            <a:fillRect/>
+          </a:stretch>
+        </p:blipFill>
+        <p:spPr>
+          <a:xfrm>
+            <a:off x="3618971" y="2108200"/>
+            <a:ext cx="5014384" cy="3760788"/>
+          </a:xfrm>
+        </p:spPr>
+      </p:pic>
+    </p:spTree>
+    <p:extLst>
+      <p:ext uri="{BB962C8B-B14F-4D97-AF65-F5344CB8AC3E}">
+        <p14:creationId xmlns:p14="http://schemas.microsoft.com/office/powerpoint/2010/main" val="467821013"/>
+      </p:ext>
+    </p:extLst>
+  </p:cSld>
+  <p:clrMapOvr>
+    <a:masterClrMapping/>
+  </p:clrMapOvr>
+</p:sld>
+</file>
+
+<file path=ppt/slides/slide21.xml><?xml version="1.0" encoding="utf-8"?>
+<p:sld xmlns:a="http://schemas.openxmlformats.org/drawingml/2006/main" xmlns:r="http://schemas.openxmlformats.org/officeDocument/2006/relationships" xmlns:p="http://schemas.openxmlformats.org/presentationml/2006/main">
+  <p:cSld>
+    <p:spTree>
+      <p:nvGrpSpPr>
+        <p:cNvPr id="1" name=""/>
+        <p:cNvGrpSpPr/>
+        <p:nvPr/>
+      </p:nvGrpSpPr>
+      <p:grpSpPr>
+        <a:xfrm>
+          <a:off x="0" y="0"/>
+          <a:ext cx="0" cy="0"/>
+          <a:chOff x="0" y="0"/>
+          <a:chExt cx="0" cy="0"/>
+        </a:xfrm>
+      </p:grpSpPr>
+      <p:sp>
+        <p:nvSpPr>
+          <p:cNvPr id="2" name="Title 1">
+            <a:extLst>
+              <a:ext uri="{FF2B5EF4-FFF2-40B4-BE49-F238E27FC236}">
+                <a16:creationId xmlns:a16="http://schemas.microsoft.com/office/drawing/2014/main" id="{ADE0FA05-4248-41AD-8A70-34F9D295103B}"/>
+              </a:ext>
+            </a:extLst>
+          </p:cNvPr>
+          <p:cNvSpPr>
+            <a:spLocks noGrp="1"/>
+          </p:cNvSpPr>
+          <p:nvPr>
+            <p:ph type="title"/>
+          </p:nvPr>
+        </p:nvSpPr>
+        <p:spPr/>
+        <p:txBody>
+          <a:bodyPr/>
+          <a:lstStyle/>
+          <a:p>
+            <a:r>
+              <a:rPr lang="en-US" dirty="0"/>
+              <a:t>SCREENSHOTS.</a:t>
+            </a:r>
+            <a:endParaRPr lang="en-IN" dirty="0"/>
+          </a:p>
+        </p:txBody>
+      </p:sp>
+      <p:pic>
+        <p:nvPicPr>
+          <p:cNvPr id="5" name="Content Placeholder 4">
+            <a:extLst>
+              <a:ext uri="{FF2B5EF4-FFF2-40B4-BE49-F238E27FC236}">
+                <a16:creationId xmlns:a16="http://schemas.microsoft.com/office/drawing/2014/main" id="{C60C46CE-4970-4986-B88A-9CE66C1495DC}"/>
+              </a:ext>
+            </a:extLst>
+          </p:cNvPr>
+          <p:cNvPicPr>
+            <a:picLocks noGrp="1" noChangeAspect="1"/>
+          </p:cNvPicPr>
+          <p:nvPr>
+            <p:ph idx="1"/>
+          </p:nvPr>
+        </p:nvPicPr>
+        <p:blipFill>
+          <a:blip r:embed="rId2"/>
+          <a:stretch>
+            <a:fillRect/>
+          </a:stretch>
+        </p:blipFill>
+        <p:spPr>
+          <a:xfrm>
+            <a:off x="3618971" y="2108200"/>
+            <a:ext cx="5014384" cy="3760788"/>
+          </a:xfrm>
+        </p:spPr>
+      </p:pic>
+    </p:spTree>
+    <p:extLst>
+      <p:ext uri="{BB962C8B-B14F-4D97-AF65-F5344CB8AC3E}">
+        <p14:creationId xmlns:p14="http://schemas.microsoft.com/office/powerpoint/2010/main" val="1071757595"/>
+      </p:ext>
+    </p:extLst>
+  </p:cSld>
+  <p:clrMapOvr>
+    <a:masterClrMapping/>
+  </p:clrMapOvr>
+</p:sld>
+</file>
+
+<file path=ppt/slides/slide22.xml><?xml version="1.0" encoding="utf-8"?>
+<p:sld xmlns:a="http://schemas.openxmlformats.org/drawingml/2006/main" xmlns:r="http://schemas.openxmlformats.org/officeDocument/2006/relationships" xmlns:p="http://schemas.openxmlformats.org/presentationml/2006/main">
+  <p:cSld>
+    <p:spTree>
+      <p:nvGrpSpPr>
+        <p:cNvPr id="1" name=""/>
+        <p:cNvGrpSpPr/>
+        <p:nvPr/>
+      </p:nvGrpSpPr>
+      <p:grpSpPr>
+        <a:xfrm>
+          <a:off x="0" y="0"/>
+          <a:ext cx="0" cy="0"/>
+          <a:chOff x="0" y="0"/>
+          <a:chExt cx="0" cy="0"/>
+        </a:xfrm>
+      </p:grpSpPr>
+      <p:sp>
+        <p:nvSpPr>
+          <p:cNvPr id="2" name="Title 1">
+            <a:extLst>
+              <a:ext uri="{FF2B5EF4-FFF2-40B4-BE49-F238E27FC236}">
+                <a16:creationId xmlns:a16="http://schemas.microsoft.com/office/drawing/2014/main" id="{011BB923-C6B3-4587-97EB-546CADEADF99}"/>
+              </a:ext>
+            </a:extLst>
+          </p:cNvPr>
+          <p:cNvSpPr>
+            <a:spLocks noGrp="1"/>
+          </p:cNvSpPr>
+          <p:nvPr>
+            <p:ph type="title"/>
+          </p:nvPr>
+        </p:nvSpPr>
+        <p:spPr/>
+        <p:txBody>
+          <a:bodyPr/>
+          <a:lstStyle/>
+          <a:p>
+            <a:r>
+              <a:rPr lang="en-US" dirty="0"/>
+              <a:t>SCREENSHOTS.</a:t>
+            </a:r>
+            <a:endParaRPr lang="en-IN" dirty="0"/>
+          </a:p>
+        </p:txBody>
+      </p:sp>
+      <p:pic>
+        <p:nvPicPr>
+          <p:cNvPr id="5" name="Content Placeholder 4">
+            <a:extLst>
+              <a:ext uri="{FF2B5EF4-FFF2-40B4-BE49-F238E27FC236}">
+                <a16:creationId xmlns:a16="http://schemas.microsoft.com/office/drawing/2014/main" id="{07AB5FCD-C428-4857-BDEB-03062041B956}"/>
+              </a:ext>
+            </a:extLst>
+          </p:cNvPr>
+          <p:cNvPicPr>
+            <a:picLocks noGrp="1" noChangeAspect="1"/>
+          </p:cNvPicPr>
+          <p:nvPr>
+            <p:ph idx="1"/>
+          </p:nvPr>
+        </p:nvPicPr>
+        <p:blipFill>
+          <a:blip r:embed="rId2"/>
+          <a:stretch>
+            <a:fillRect/>
+          </a:stretch>
+        </p:blipFill>
+        <p:spPr>
+          <a:xfrm>
+            <a:off x="3618971" y="2108200"/>
+            <a:ext cx="5014384" cy="3760788"/>
+          </a:xfrm>
+        </p:spPr>
+      </p:pic>
+    </p:spTree>
+    <p:extLst>
+      <p:ext uri="{BB962C8B-B14F-4D97-AF65-F5344CB8AC3E}">
+        <p14:creationId xmlns:p14="http://schemas.microsoft.com/office/powerpoint/2010/main" val="607267949"/>
+      </p:ext>
+    </p:extLst>
+  </p:cSld>
+  <p:clrMapOvr>
+    <a:masterClrMapping/>
+  </p:clrMapOvr>
+</p:sld>
+</file>
+
+<file path=ppt/slides/slide23.xml><?xml version="1.0" encoding="utf-8"?>
+<p:sld xmlns:a="http://schemas.openxmlformats.org/drawingml/2006/main" xmlns:r="http://schemas.openxmlformats.org/officeDocument/2006/relationships" xmlns:p="http://schemas.openxmlformats.org/presentationml/2006/main">
+  <p:cSld>
+    <p:spTree>
+      <p:nvGrpSpPr>
+        <p:cNvPr id="1" name=""/>
+        <p:cNvGrpSpPr/>
+        <p:nvPr/>
+      </p:nvGrpSpPr>
+      <p:grpSpPr>
+        <a:xfrm>
+          <a:off x="0" y="0"/>
+          <a:ext cx="0" cy="0"/>
+          <a:chOff x="0" y="0"/>
+          <a:chExt cx="0" cy="0"/>
+        </a:xfrm>
+      </p:grpSpPr>
+      <p:sp>
+        <p:nvSpPr>
+          <p:cNvPr id="2" name="Title 1">
+            <a:extLst>
+              <a:ext uri="{FF2B5EF4-FFF2-40B4-BE49-F238E27FC236}">
+                <a16:creationId xmlns:a16="http://schemas.microsoft.com/office/drawing/2014/main" id="{7AC2A2D4-1DE1-4DFD-B37A-4616D0250CA8}"/>
+              </a:ext>
+            </a:extLst>
+          </p:cNvPr>
+          <p:cNvSpPr>
+            <a:spLocks noGrp="1"/>
+          </p:cNvSpPr>
+          <p:nvPr>
+            <p:ph type="title"/>
+          </p:nvPr>
+        </p:nvSpPr>
+        <p:spPr/>
+        <p:txBody>
+          <a:bodyPr/>
+          <a:lstStyle/>
+          <a:p>
+            <a:r>
+              <a:rPr lang="en-US" dirty="0"/>
+              <a:t>SCREENSHOTS.</a:t>
+            </a:r>
+            <a:endParaRPr lang="en-IN" dirty="0"/>
+          </a:p>
+        </p:txBody>
+      </p:sp>
+      <p:pic>
+        <p:nvPicPr>
+          <p:cNvPr id="5" name="Content Placeholder 4">
+            <a:extLst>
+              <a:ext uri="{FF2B5EF4-FFF2-40B4-BE49-F238E27FC236}">
+                <a16:creationId xmlns:a16="http://schemas.microsoft.com/office/drawing/2014/main" id="{E1303BB2-7C50-4349-A4A4-CEEFEF914CDD}"/>
+              </a:ext>
+            </a:extLst>
+          </p:cNvPr>
+          <p:cNvPicPr>
+            <a:picLocks noGrp="1" noChangeAspect="1"/>
+          </p:cNvPicPr>
+          <p:nvPr>
+            <p:ph idx="1"/>
+          </p:nvPr>
+        </p:nvPicPr>
+        <p:blipFill>
+          <a:blip r:embed="rId2"/>
+          <a:stretch>
+            <a:fillRect/>
+          </a:stretch>
+        </p:blipFill>
+        <p:spPr>
+          <a:xfrm>
+            <a:off x="3618971" y="2108200"/>
+            <a:ext cx="5014384" cy="3760788"/>
+          </a:xfrm>
+        </p:spPr>
+      </p:pic>
+    </p:spTree>
+    <p:extLst>
+      <p:ext uri="{BB962C8B-B14F-4D97-AF65-F5344CB8AC3E}">
+        <p14:creationId xmlns:p14="http://schemas.microsoft.com/office/powerpoint/2010/main" val="836344394"/>
+      </p:ext>
+    </p:extLst>
+  </p:cSld>
+  <p:clrMapOvr>
+    <a:masterClrMapping/>
+  </p:clrMapOvr>
+</p:sld>
+</file>
+
+<file path=ppt/slides/slide24.xml><?xml version="1.0" encoding="utf-8"?>
+<p:sld xmlns:a="http://schemas.openxmlformats.org/drawingml/2006/main" xmlns:r="http://schemas.openxmlformats.org/officeDocument/2006/relationships" xmlns:p="http://schemas.openxmlformats.org/presentationml/2006/main">
+  <p:cSld>
+    <p:spTree>
+      <p:nvGrpSpPr>
+        <p:cNvPr id="1" name=""/>
+        <p:cNvGrpSpPr/>
+        <p:nvPr/>
+      </p:nvGrpSpPr>
+      <p:grpSpPr>
+        <a:xfrm>
+          <a:off x="0" y="0"/>
+          <a:ext cx="0" cy="0"/>
+          <a:chOff x="0" y="0"/>
+          <a:chExt cx="0" cy="0"/>
+        </a:xfrm>
+      </p:grpSpPr>
+      <p:sp>
+        <p:nvSpPr>
+          <p:cNvPr id="2" name="Title 1">
+            <a:extLst>
+              <a:ext uri="{FF2B5EF4-FFF2-40B4-BE49-F238E27FC236}">
+                <a16:creationId xmlns:a16="http://schemas.microsoft.com/office/drawing/2014/main" id="{BE46E029-6494-466F-9BAD-6C9661220115}"/>
+              </a:ext>
+            </a:extLst>
+          </p:cNvPr>
+          <p:cNvSpPr>
+            <a:spLocks noGrp="1"/>
+          </p:cNvSpPr>
+          <p:nvPr>
+            <p:ph type="title"/>
+          </p:nvPr>
+        </p:nvSpPr>
+        <p:spPr/>
+        <p:txBody>
+          <a:bodyPr/>
+          <a:lstStyle/>
+          <a:p>
+            <a:r>
+              <a:rPr lang="en-US" dirty="0"/>
+              <a:t>SCREENSHOTS.</a:t>
+            </a:r>
+            <a:endParaRPr lang="en-IN" dirty="0"/>
+          </a:p>
+        </p:txBody>
+      </p:sp>
+      <p:pic>
+        <p:nvPicPr>
+          <p:cNvPr id="5" name="Content Placeholder 4">
+            <a:extLst>
+              <a:ext uri="{FF2B5EF4-FFF2-40B4-BE49-F238E27FC236}">
+                <a16:creationId xmlns:a16="http://schemas.microsoft.com/office/drawing/2014/main" id="{E0238F21-A545-4A78-BF9B-21887F118ACC}"/>
+              </a:ext>
+            </a:extLst>
+          </p:cNvPr>
+          <p:cNvPicPr>
+            <a:picLocks noGrp="1" noChangeAspect="1"/>
+          </p:cNvPicPr>
+          <p:nvPr>
+            <p:ph idx="1"/>
+          </p:nvPr>
+        </p:nvPicPr>
+        <p:blipFill>
+          <a:blip r:embed="rId2"/>
+          <a:stretch>
+            <a:fillRect/>
+          </a:stretch>
+        </p:blipFill>
+        <p:spPr>
+          <a:xfrm>
+            <a:off x="3618971" y="2108200"/>
+            <a:ext cx="5014384" cy="3760788"/>
+          </a:xfrm>
+        </p:spPr>
+      </p:pic>
+    </p:spTree>
+    <p:extLst>
+      <p:ext uri="{BB962C8B-B14F-4D97-AF65-F5344CB8AC3E}">
+        <p14:creationId xmlns:p14="http://schemas.microsoft.com/office/powerpoint/2010/main" val="3279810599"/>
+      </p:ext>
+    </p:extLst>
+  </p:cSld>
+  <p:clrMapOvr>
+    <a:masterClrMapping/>
+  </p:clrMapOvr>
+</p:sld>
+</file>
+
+<file path=ppt/slides/slide25.xml><?xml version="1.0" encoding="utf-8"?>
+<p:sld xmlns:a="http://schemas.openxmlformats.org/drawingml/2006/main" xmlns:r="http://schemas.openxmlformats.org/officeDocument/2006/relationships" xmlns:p="http://schemas.openxmlformats.org/presentationml/2006/main">
+  <p:cSld>
+    <p:spTree>
+      <p:nvGrpSpPr>
+        <p:cNvPr id="1" name=""/>
+        <p:cNvGrpSpPr/>
+        <p:nvPr/>
+      </p:nvGrpSpPr>
+      <p:grpSpPr>
+        <a:xfrm>
+          <a:off x="0" y="0"/>
+          <a:ext cx="0" cy="0"/>
+          <a:chOff x="0" y="0"/>
+          <a:chExt cx="0" cy="0"/>
+        </a:xfrm>
+      </p:grpSpPr>
+      <p:sp>
+        <p:nvSpPr>
+          <p:cNvPr id="2" name="Title 1">
+            <a:extLst>
+              <a:ext uri="{FF2B5EF4-FFF2-40B4-BE49-F238E27FC236}">
+                <a16:creationId xmlns:a16="http://schemas.microsoft.com/office/drawing/2014/main" id="{9717D8BC-0858-460F-9D16-9903B33259DB}"/>
+              </a:ext>
+            </a:extLst>
+          </p:cNvPr>
+          <p:cNvSpPr>
+            <a:spLocks noGrp="1"/>
+          </p:cNvSpPr>
+          <p:nvPr>
+            <p:ph type="title"/>
+          </p:nvPr>
+        </p:nvSpPr>
+        <p:spPr/>
+        <p:txBody>
+          <a:bodyPr/>
+          <a:lstStyle/>
+          <a:p>
+            <a:r>
+              <a:rPr lang="en-US" dirty="0"/>
+              <a:t>SCREENSHOTS.</a:t>
+            </a:r>
+            <a:endParaRPr lang="en-IN" dirty="0"/>
+          </a:p>
+        </p:txBody>
+      </p:sp>
+      <p:pic>
+        <p:nvPicPr>
+          <p:cNvPr id="5" name="Content Placeholder 4">
+            <a:extLst>
+              <a:ext uri="{FF2B5EF4-FFF2-40B4-BE49-F238E27FC236}">
+                <a16:creationId xmlns:a16="http://schemas.microsoft.com/office/drawing/2014/main" id="{7740BF1A-2EBE-42CF-BC0B-0D50376D49CD}"/>
+              </a:ext>
+            </a:extLst>
+          </p:cNvPr>
+          <p:cNvPicPr>
+            <a:picLocks noGrp="1" noChangeAspect="1"/>
+          </p:cNvPicPr>
+          <p:nvPr>
+            <p:ph idx="1"/>
+          </p:nvPr>
+        </p:nvPicPr>
+        <p:blipFill>
+          <a:blip r:embed="rId2"/>
+          <a:stretch>
+            <a:fillRect/>
+          </a:stretch>
+        </p:blipFill>
+        <p:spPr>
+          <a:xfrm>
+            <a:off x="3618971" y="2108200"/>
+            <a:ext cx="5014384" cy="3760788"/>
+          </a:xfrm>
+        </p:spPr>
+      </p:pic>
+    </p:spTree>
+    <p:extLst>
+      <p:ext uri="{BB962C8B-B14F-4D97-AF65-F5344CB8AC3E}">
+        <p14:creationId xmlns:p14="http://schemas.microsoft.com/office/powerpoint/2010/main" val="2502079425"/>
       </p:ext>
     </p:extLst>
   </p:cSld>
@@ -8192,6 +9520,94 @@
           <p:cNvPr id="2" name="Title 1">
             <a:extLst>
               <a:ext uri="{FF2B5EF4-FFF2-40B4-BE49-F238E27FC236}">
+                <a16:creationId xmlns:a16="http://schemas.microsoft.com/office/drawing/2014/main" id="{09DDF1D8-7FCF-4219-886D-0C4D959B4977}"/>
+              </a:ext>
+            </a:extLst>
+          </p:cNvPr>
+          <p:cNvSpPr>
+            <a:spLocks noGrp="1"/>
+          </p:cNvSpPr>
+          <p:nvPr>
+            <p:ph type="title"/>
+          </p:nvPr>
+        </p:nvSpPr>
+        <p:spPr/>
+        <p:txBody>
+          <a:bodyPr/>
+          <a:lstStyle/>
+          <a:p>
+            <a:r>
+              <a:rPr lang="en-US" dirty="0"/>
+              <a:t>SCREENSHOT OF THE COMMANDS.</a:t>
+            </a:r>
+            <a:endParaRPr lang="en-IN" dirty="0"/>
+          </a:p>
+        </p:txBody>
+      </p:sp>
+      <p:pic>
+        <p:nvPicPr>
+          <p:cNvPr id="5" name="Content Placeholder 4">
+            <a:extLst>
+              <a:ext uri="{FF2B5EF4-FFF2-40B4-BE49-F238E27FC236}">
+                <a16:creationId xmlns:a16="http://schemas.microsoft.com/office/drawing/2014/main" id="{F58F9A39-645D-4777-8D28-174E21BD148C}"/>
+              </a:ext>
+            </a:extLst>
+          </p:cNvPr>
+          <p:cNvPicPr>
+            <a:picLocks noGrp="1" noChangeAspect="1"/>
+          </p:cNvPicPr>
+          <p:nvPr>
+            <p:ph idx="1"/>
+          </p:nvPr>
+        </p:nvPicPr>
+        <p:blipFill>
+          <a:blip r:embed="rId2"/>
+          <a:stretch>
+            <a:fillRect/>
+          </a:stretch>
+        </p:blipFill>
+        <p:spPr>
+          <a:xfrm>
+            <a:off x="3618971" y="2108200"/>
+            <a:ext cx="5014384" cy="3760788"/>
+          </a:xfrm>
+        </p:spPr>
+      </p:pic>
+    </p:spTree>
+    <p:extLst>
+      <p:ext uri="{BB962C8B-B14F-4D97-AF65-F5344CB8AC3E}">
+        <p14:creationId xmlns:p14="http://schemas.microsoft.com/office/powerpoint/2010/main" val="190522431"/>
+      </p:ext>
+    </p:extLst>
+  </p:cSld>
+  <p:clrMapOvr>
+    <a:masterClrMapping/>
+  </p:clrMapOvr>
+</p:sld>
+</file>
+
+<file path=ppt/slides/slide6.xml><?xml version="1.0" encoding="utf-8"?>
+<p:sld xmlns:a="http://schemas.openxmlformats.org/drawingml/2006/main" xmlns:r="http://schemas.openxmlformats.org/officeDocument/2006/relationships" xmlns:p="http://schemas.openxmlformats.org/presentationml/2006/main">
+  <p:cSld>
+    <p:spTree>
+      <p:nvGrpSpPr>
+        <p:cNvPr id="1" name=""/>
+        <p:cNvGrpSpPr/>
+        <p:nvPr/>
+      </p:nvGrpSpPr>
+      <p:grpSpPr>
+        <a:xfrm>
+          <a:off x="0" y="0"/>
+          <a:ext cx="0" cy="0"/>
+          <a:chOff x="0" y="0"/>
+          <a:chExt cx="0" cy="0"/>
+        </a:xfrm>
+      </p:grpSpPr>
+      <p:sp>
+        <p:nvSpPr>
+          <p:cNvPr id="2" name="Title 1">
+            <a:extLst>
+              <a:ext uri="{FF2B5EF4-FFF2-40B4-BE49-F238E27FC236}">
                 <a16:creationId xmlns:a16="http://schemas.microsoft.com/office/drawing/2014/main" id="{C2449D38-0A64-4F7D-9EEF-0B30D0E96A2B}"/>
               </a:ext>
             </a:extLst>
@@ -8366,7 +9782,183 @@
 </p:sld>
 </file>
 
-<file path=ppt/slides/slide6.xml><?xml version="1.0" encoding="utf-8"?>
+<file path=ppt/slides/slide7.xml><?xml version="1.0" encoding="utf-8"?>
+<p:sld xmlns:a="http://schemas.openxmlformats.org/drawingml/2006/main" xmlns:r="http://schemas.openxmlformats.org/officeDocument/2006/relationships" xmlns:p="http://schemas.openxmlformats.org/presentationml/2006/main">
+  <p:cSld>
+    <p:spTree>
+      <p:nvGrpSpPr>
+        <p:cNvPr id="1" name=""/>
+        <p:cNvGrpSpPr/>
+        <p:nvPr/>
+      </p:nvGrpSpPr>
+      <p:grpSpPr>
+        <a:xfrm>
+          <a:off x="0" y="0"/>
+          <a:ext cx="0" cy="0"/>
+          <a:chOff x="0" y="0"/>
+          <a:chExt cx="0" cy="0"/>
+        </a:xfrm>
+      </p:grpSpPr>
+      <p:sp>
+        <p:nvSpPr>
+          <p:cNvPr id="2" name="Title 1">
+            <a:extLst>
+              <a:ext uri="{FF2B5EF4-FFF2-40B4-BE49-F238E27FC236}">
+                <a16:creationId xmlns:a16="http://schemas.microsoft.com/office/drawing/2014/main" id="{C000C1FA-921C-42AE-9CA6-EBA716E3B446}"/>
+              </a:ext>
+            </a:extLst>
+          </p:cNvPr>
+          <p:cNvSpPr>
+            <a:spLocks noGrp="1"/>
+          </p:cNvSpPr>
+          <p:nvPr>
+            <p:ph type="title"/>
+          </p:nvPr>
+        </p:nvSpPr>
+        <p:spPr/>
+        <p:txBody>
+          <a:bodyPr/>
+          <a:lstStyle/>
+          <a:p>
+            <a:r>
+              <a:rPr lang="en-US" dirty="0"/>
+              <a:t>SCREENSHOT OF THE COMMANDS.</a:t>
+            </a:r>
+            <a:endParaRPr lang="en-IN" dirty="0"/>
+          </a:p>
+        </p:txBody>
+      </p:sp>
+      <p:pic>
+        <p:nvPicPr>
+          <p:cNvPr id="5" name="Content Placeholder 4">
+            <a:extLst>
+              <a:ext uri="{FF2B5EF4-FFF2-40B4-BE49-F238E27FC236}">
+                <a16:creationId xmlns:a16="http://schemas.microsoft.com/office/drawing/2014/main" id="{143E627B-98F5-480A-9367-A76E9D4A6EF3}"/>
+              </a:ext>
+            </a:extLst>
+          </p:cNvPr>
+          <p:cNvPicPr>
+            <a:picLocks noGrp="1" noChangeAspect="1"/>
+          </p:cNvPicPr>
+          <p:nvPr>
+            <p:ph idx="1"/>
+          </p:nvPr>
+        </p:nvPicPr>
+        <p:blipFill>
+          <a:blip r:embed="rId2"/>
+          <a:stretch>
+            <a:fillRect/>
+          </a:stretch>
+        </p:blipFill>
+        <p:spPr>
+          <a:xfrm>
+            <a:off x="3618971" y="2108200"/>
+            <a:ext cx="5014384" cy="3760788"/>
+          </a:xfrm>
+        </p:spPr>
+      </p:pic>
+    </p:spTree>
+    <p:extLst>
+      <p:ext uri="{BB962C8B-B14F-4D97-AF65-F5344CB8AC3E}">
+        <p14:creationId xmlns:p14="http://schemas.microsoft.com/office/powerpoint/2010/main" val="1956766421"/>
+      </p:ext>
+    </p:extLst>
+  </p:cSld>
+  <p:clrMapOvr>
+    <a:masterClrMapping/>
+  </p:clrMapOvr>
+</p:sld>
+</file>
+
+<file path=ppt/slides/slide8.xml><?xml version="1.0" encoding="utf-8"?>
+<p:sld xmlns:a="http://schemas.openxmlformats.org/drawingml/2006/main" xmlns:r="http://schemas.openxmlformats.org/officeDocument/2006/relationships" xmlns:p="http://schemas.openxmlformats.org/presentationml/2006/main">
+  <p:cSld>
+    <p:spTree>
+      <p:nvGrpSpPr>
+        <p:cNvPr id="1" name=""/>
+        <p:cNvGrpSpPr/>
+        <p:nvPr/>
+      </p:nvGrpSpPr>
+      <p:grpSpPr>
+        <a:xfrm>
+          <a:off x="0" y="0"/>
+          <a:ext cx="0" cy="0"/>
+          <a:chOff x="0" y="0"/>
+          <a:chExt cx="0" cy="0"/>
+        </a:xfrm>
+      </p:grpSpPr>
+      <p:sp>
+        <p:nvSpPr>
+          <p:cNvPr id="2" name="Title 1">
+            <a:extLst>
+              <a:ext uri="{FF2B5EF4-FFF2-40B4-BE49-F238E27FC236}">
+                <a16:creationId xmlns:a16="http://schemas.microsoft.com/office/drawing/2014/main" id="{AB8A6933-5CB8-4E8D-8C3D-0467EC1402D3}"/>
+              </a:ext>
+            </a:extLst>
+          </p:cNvPr>
+          <p:cNvSpPr>
+            <a:spLocks noGrp="1"/>
+          </p:cNvSpPr>
+          <p:nvPr>
+            <p:ph type="title"/>
+          </p:nvPr>
+        </p:nvSpPr>
+        <p:spPr/>
+        <p:txBody>
+          <a:bodyPr/>
+          <a:lstStyle/>
+          <a:p>
+            <a:r>
+              <a:rPr lang="en-US" dirty="0"/>
+              <a:t>SCREENSHOT OF THE COMMANDS.</a:t>
+            </a:r>
+            <a:endParaRPr lang="en-IN" dirty="0"/>
+          </a:p>
+        </p:txBody>
+      </p:sp>
+      <p:pic>
+        <p:nvPicPr>
+          <p:cNvPr id="5" name="Content Placeholder 4">
+            <a:extLst>
+              <a:ext uri="{FF2B5EF4-FFF2-40B4-BE49-F238E27FC236}">
+                <a16:creationId xmlns:a16="http://schemas.microsoft.com/office/drawing/2014/main" id="{6EAC2477-DCE5-48C0-9895-749BFBDE1F42}"/>
+              </a:ext>
+            </a:extLst>
+          </p:cNvPr>
+          <p:cNvPicPr>
+            <a:picLocks noGrp="1" noChangeAspect="1"/>
+          </p:cNvPicPr>
+          <p:nvPr>
+            <p:ph idx="1"/>
+          </p:nvPr>
+        </p:nvPicPr>
+        <p:blipFill>
+          <a:blip r:embed="rId2"/>
+          <a:stretch>
+            <a:fillRect/>
+          </a:stretch>
+        </p:blipFill>
+        <p:spPr>
+          <a:xfrm>
+            <a:off x="3618971" y="2108200"/>
+            <a:ext cx="5014384" cy="3760788"/>
+          </a:xfrm>
+        </p:spPr>
+      </p:pic>
+    </p:spTree>
+    <p:extLst>
+      <p:ext uri="{BB962C8B-B14F-4D97-AF65-F5344CB8AC3E}">
+        <p14:creationId xmlns:p14="http://schemas.microsoft.com/office/powerpoint/2010/main" val="3328702385"/>
+      </p:ext>
+    </p:extLst>
+  </p:cSld>
+  <p:clrMapOvr>
+    <a:masterClrMapping/>
+  </p:clrMapOvr>
+</p:sld>
+</file>
+
+<file path=ppt/slides/slide9.xml><?xml version="1.0" encoding="utf-8"?>
 <p:sld xmlns:a="http://schemas.openxmlformats.org/drawingml/2006/main" xmlns:r="http://schemas.openxmlformats.org/officeDocument/2006/relationships" xmlns:p="http://schemas.openxmlformats.org/presentationml/2006/main">
   <p:cSld>
     <p:spTree>
@@ -8481,441 +10073,6 @@
     <p:extLst>
       <p:ext uri="{BB962C8B-B14F-4D97-AF65-F5344CB8AC3E}">
         <p14:creationId xmlns:p14="http://schemas.microsoft.com/office/powerpoint/2010/main" val="3652328831"/>
-      </p:ext>
-    </p:extLst>
-  </p:cSld>
-  <p:clrMapOvr>
-    <a:masterClrMapping/>
-  </p:clrMapOvr>
-</p:sld>
-</file>
-
-<file path=ppt/slides/slide7.xml><?xml version="1.0" encoding="utf-8"?>
-<p:sld xmlns:a="http://schemas.openxmlformats.org/drawingml/2006/main" xmlns:r="http://schemas.openxmlformats.org/officeDocument/2006/relationships" xmlns:p="http://schemas.openxmlformats.org/presentationml/2006/main">
-  <p:cSld>
-    <p:spTree>
-      <p:nvGrpSpPr>
-        <p:cNvPr id="1" name=""/>
-        <p:cNvGrpSpPr/>
-        <p:nvPr/>
-      </p:nvGrpSpPr>
-      <p:grpSpPr>
-        <a:xfrm>
-          <a:off x="0" y="0"/>
-          <a:ext cx="0" cy="0"/>
-          <a:chOff x="0" y="0"/>
-          <a:chExt cx="0" cy="0"/>
-        </a:xfrm>
-      </p:grpSpPr>
-      <p:sp>
-        <p:nvSpPr>
-          <p:cNvPr id="2" name="Title 1">
-            <a:extLst>
-              <a:ext uri="{FF2B5EF4-FFF2-40B4-BE49-F238E27FC236}">
-                <a16:creationId xmlns:a16="http://schemas.microsoft.com/office/drawing/2014/main" id="{A6F8535C-3B8A-4169-8086-1F5DC2BB01BA}"/>
-              </a:ext>
-            </a:extLst>
-          </p:cNvPr>
-          <p:cNvSpPr>
-            <a:spLocks noGrp="1"/>
-          </p:cNvSpPr>
-          <p:nvPr>
-            <p:ph type="title"/>
-          </p:nvPr>
-        </p:nvSpPr>
-        <p:spPr/>
-        <p:txBody>
-          <a:bodyPr/>
-          <a:lstStyle/>
-          <a:p>
-            <a:r>
-              <a:rPr lang="en-US" dirty="0"/>
-              <a:t>PERMISSIONS</a:t>
-            </a:r>
-            <a:endParaRPr lang="en-IN" dirty="0"/>
-          </a:p>
-        </p:txBody>
-      </p:sp>
-      <p:sp>
-        <p:nvSpPr>
-          <p:cNvPr id="3" name="Content Placeholder 2">
-            <a:extLst>
-              <a:ext uri="{FF2B5EF4-FFF2-40B4-BE49-F238E27FC236}">
-                <a16:creationId xmlns:a16="http://schemas.microsoft.com/office/drawing/2014/main" id="{BF5D3275-C322-42F9-878B-96B7156BC955}"/>
-              </a:ext>
-            </a:extLst>
-          </p:cNvPr>
-          <p:cNvSpPr>
-            <a:spLocks noGrp="1"/>
-          </p:cNvSpPr>
-          <p:nvPr>
-            <p:ph idx="1"/>
-          </p:nvPr>
-        </p:nvSpPr>
-        <p:spPr/>
-        <p:txBody>
-          <a:bodyPr/>
-          <a:lstStyle/>
-          <a:p>
-            <a:r>
-              <a:rPr lang="en-US" dirty="0"/>
-              <a:t>When we use any of the ‘ls’ commands we get the details of the file/directory.</a:t>
-            </a:r>
-          </a:p>
-          <a:p>
-            <a:r>
-              <a:rPr lang="en-IN" dirty="0"/>
-              <a:t>The structure here is:</a:t>
-            </a:r>
-          </a:p>
-          <a:p>
-            <a:r>
-              <a:rPr lang="en-IN" dirty="0" err="1"/>
-              <a:t>drwr</a:t>
-            </a:r>
-            <a:r>
-              <a:rPr lang="en-IN" dirty="0"/>
-              <a:t> –</a:t>
-            </a:r>
-            <a:r>
-              <a:rPr lang="en-IN" dirty="0" err="1"/>
-              <a:t>xr</a:t>
-            </a:r>
-            <a:r>
-              <a:rPr lang="en-IN" dirty="0"/>
-              <a:t> –x 2 </a:t>
-            </a:r>
-            <a:r>
-              <a:rPr lang="en-IN" dirty="0" err="1"/>
-              <a:t>siju</a:t>
-            </a:r>
-            <a:r>
-              <a:rPr lang="en-IN" dirty="0"/>
-              <a:t> </a:t>
-            </a:r>
-            <a:r>
-              <a:rPr lang="en-IN" dirty="0" err="1"/>
-              <a:t>siju</a:t>
-            </a:r>
-            <a:r>
-              <a:rPr lang="en-IN" dirty="0"/>
-              <a:t> 4096 &lt;date and time&gt; Desktop</a:t>
-            </a:r>
-          </a:p>
-          <a:p>
-            <a:r>
-              <a:rPr lang="en-IN" dirty="0"/>
-              <a:t>Here, </a:t>
-            </a:r>
-            <a:r>
-              <a:rPr lang="en-IN" dirty="0" err="1"/>
-              <a:t>drwr</a:t>
-            </a:r>
-            <a:r>
-              <a:rPr lang="en-IN" dirty="0"/>
-              <a:t> –</a:t>
-            </a:r>
-            <a:r>
-              <a:rPr lang="en-IN" dirty="0" err="1"/>
-              <a:t>xr</a:t>
-            </a:r>
-            <a:r>
-              <a:rPr lang="en-IN" dirty="0"/>
-              <a:t> –x is the set of permissions.</a:t>
-            </a:r>
-          </a:p>
-          <a:p>
-            <a:r>
-              <a:rPr lang="en-IN" dirty="0"/>
-              <a:t>2 is the memory block. </a:t>
-            </a:r>
-          </a:p>
-          <a:p>
-            <a:r>
-              <a:rPr lang="en-IN" dirty="0" err="1"/>
-              <a:t>Siju</a:t>
-            </a:r>
-            <a:r>
-              <a:rPr lang="en-IN" dirty="0"/>
-              <a:t> </a:t>
-            </a:r>
-            <a:r>
-              <a:rPr lang="en-IN" dirty="0" err="1"/>
-              <a:t>siju</a:t>
-            </a:r>
-            <a:r>
-              <a:rPr lang="en-IN" dirty="0"/>
-              <a:t> is owner and group name respectively. </a:t>
-            </a:r>
-          </a:p>
-          <a:p>
-            <a:r>
-              <a:rPr lang="en-IN" dirty="0"/>
-              <a:t>4096 is the size of the blocks.</a:t>
-            </a:r>
-          </a:p>
-        </p:txBody>
-      </p:sp>
-    </p:spTree>
-    <p:extLst>
-      <p:ext uri="{BB962C8B-B14F-4D97-AF65-F5344CB8AC3E}">
-        <p14:creationId xmlns:p14="http://schemas.microsoft.com/office/powerpoint/2010/main" val="1707171263"/>
-      </p:ext>
-    </p:extLst>
-  </p:cSld>
-  <p:clrMapOvr>
-    <a:masterClrMapping/>
-  </p:clrMapOvr>
-</p:sld>
-</file>
-
-<file path=ppt/slides/slide8.xml><?xml version="1.0" encoding="utf-8"?>
-<p:sld xmlns:a="http://schemas.openxmlformats.org/drawingml/2006/main" xmlns:r="http://schemas.openxmlformats.org/officeDocument/2006/relationships" xmlns:p="http://schemas.openxmlformats.org/presentationml/2006/main">
-  <p:cSld>
-    <p:spTree>
-      <p:nvGrpSpPr>
-        <p:cNvPr id="1" name=""/>
-        <p:cNvGrpSpPr/>
-        <p:nvPr/>
-      </p:nvGrpSpPr>
-      <p:grpSpPr>
-        <a:xfrm>
-          <a:off x="0" y="0"/>
-          <a:ext cx="0" cy="0"/>
-          <a:chOff x="0" y="0"/>
-          <a:chExt cx="0" cy="0"/>
-        </a:xfrm>
-      </p:grpSpPr>
-      <p:sp>
-        <p:nvSpPr>
-          <p:cNvPr id="2" name="Title 1">
-            <a:extLst>
-              <a:ext uri="{FF2B5EF4-FFF2-40B4-BE49-F238E27FC236}">
-                <a16:creationId xmlns:a16="http://schemas.microsoft.com/office/drawing/2014/main" id="{88B7E55C-CEDF-4296-857C-F1757B323EE1}"/>
-              </a:ext>
-            </a:extLst>
-          </p:cNvPr>
-          <p:cNvSpPr>
-            <a:spLocks noGrp="1"/>
-          </p:cNvSpPr>
-          <p:nvPr>
-            <p:ph type="title"/>
-          </p:nvPr>
-        </p:nvSpPr>
-        <p:spPr/>
-        <p:txBody>
-          <a:bodyPr/>
-          <a:lstStyle/>
-          <a:p>
-            <a:r>
-              <a:rPr lang="en-US" dirty="0"/>
-              <a:t>CONTD..</a:t>
-            </a:r>
-            <a:endParaRPr lang="en-IN" dirty="0"/>
-          </a:p>
-        </p:txBody>
-      </p:sp>
-      <p:sp>
-        <p:nvSpPr>
-          <p:cNvPr id="3" name="Content Placeholder 2">
-            <a:extLst>
-              <a:ext uri="{FF2B5EF4-FFF2-40B4-BE49-F238E27FC236}">
-                <a16:creationId xmlns:a16="http://schemas.microsoft.com/office/drawing/2014/main" id="{BDE4C15D-4FC8-47A8-86F8-D8537B44A3F4}"/>
-              </a:ext>
-            </a:extLst>
-          </p:cNvPr>
-          <p:cNvSpPr>
-            <a:spLocks noGrp="1"/>
-          </p:cNvSpPr>
-          <p:nvPr>
-            <p:ph idx="1"/>
-          </p:nvPr>
-        </p:nvSpPr>
-        <p:spPr/>
-        <p:txBody>
-          <a:bodyPr>
-            <a:normAutofit lnSpcReduction="10000"/>
-          </a:bodyPr>
-          <a:lstStyle/>
-          <a:p>
-            <a:r>
-              <a:rPr lang="en-US" dirty="0"/>
-              <a:t>There are 3 levels of permissions:</a:t>
-            </a:r>
-          </a:p>
-          <a:p>
-            <a:r>
-              <a:rPr lang="en-US" dirty="0"/>
-              <a:t>1. Owner permission</a:t>
-            </a:r>
-          </a:p>
-          <a:p>
-            <a:r>
-              <a:rPr lang="en-US" dirty="0"/>
-              <a:t>2. Group Permission</a:t>
-            </a:r>
-          </a:p>
-          <a:p>
-            <a:r>
-              <a:rPr lang="en-US" dirty="0"/>
-              <a:t>3. Other world permission</a:t>
-            </a:r>
-          </a:p>
-          <a:p>
-            <a:r>
-              <a:rPr lang="en-US" dirty="0"/>
-              <a:t>r: denotes read grant.</a:t>
-            </a:r>
-          </a:p>
-          <a:p>
-            <a:r>
-              <a:rPr lang="en-US" dirty="0"/>
-              <a:t>w: denotes write grant.</a:t>
-            </a:r>
-          </a:p>
-          <a:p>
-            <a:r>
-              <a:rPr lang="en-US" dirty="0"/>
-              <a:t>x: denotes executable grant.</a:t>
-            </a:r>
-          </a:p>
-          <a:p>
-            <a:r>
-              <a:rPr lang="en-US" dirty="0" err="1"/>
-              <a:t>Eg</a:t>
-            </a:r>
-            <a:r>
-              <a:rPr lang="en-US" dirty="0"/>
-              <a:t>:- </a:t>
-            </a:r>
-            <a:r>
-              <a:rPr lang="en-US" dirty="0" err="1"/>
-              <a:t>drwx</a:t>
-            </a:r>
-            <a:r>
-              <a:rPr lang="en-US" dirty="0"/>
-              <a:t> r-x </a:t>
-            </a:r>
-            <a:r>
-              <a:rPr lang="en-US" dirty="0" err="1"/>
-              <a:t>r-x</a:t>
-            </a:r>
-            <a:r>
-              <a:rPr lang="en-US" dirty="0"/>
-              <a:t>.</a:t>
-            </a:r>
-            <a:endParaRPr lang="en-IN" dirty="0"/>
-          </a:p>
-        </p:txBody>
-      </p:sp>
-    </p:spTree>
-    <p:extLst>
-      <p:ext uri="{BB962C8B-B14F-4D97-AF65-F5344CB8AC3E}">
-        <p14:creationId xmlns:p14="http://schemas.microsoft.com/office/powerpoint/2010/main" val="3835210862"/>
-      </p:ext>
-    </p:extLst>
-  </p:cSld>
-  <p:clrMapOvr>
-    <a:masterClrMapping/>
-  </p:clrMapOvr>
-</p:sld>
-</file>
-
-<file path=ppt/slides/slide9.xml><?xml version="1.0" encoding="utf-8"?>
-<p:sld xmlns:a="http://schemas.openxmlformats.org/drawingml/2006/main" xmlns:r="http://schemas.openxmlformats.org/officeDocument/2006/relationships" xmlns:p="http://schemas.openxmlformats.org/presentationml/2006/main">
-  <p:cSld>
-    <p:spTree>
-      <p:nvGrpSpPr>
-        <p:cNvPr id="1" name=""/>
-        <p:cNvGrpSpPr/>
-        <p:nvPr/>
-      </p:nvGrpSpPr>
-      <p:grpSpPr>
-        <a:xfrm>
-          <a:off x="0" y="0"/>
-          <a:ext cx="0" cy="0"/>
-          <a:chOff x="0" y="0"/>
-          <a:chExt cx="0" cy="0"/>
-        </a:xfrm>
-      </p:grpSpPr>
-      <p:sp>
-        <p:nvSpPr>
-          <p:cNvPr id="2" name="Title 1">
-            <a:extLst>
-              <a:ext uri="{FF2B5EF4-FFF2-40B4-BE49-F238E27FC236}">
-                <a16:creationId xmlns:a16="http://schemas.microsoft.com/office/drawing/2014/main" id="{AA138658-6FDD-47BE-BA5F-60C2E8F6199A}"/>
-              </a:ext>
-            </a:extLst>
-          </p:cNvPr>
-          <p:cNvSpPr>
-            <a:spLocks noGrp="1"/>
-          </p:cNvSpPr>
-          <p:nvPr>
-            <p:ph type="title"/>
-          </p:nvPr>
-        </p:nvSpPr>
-        <p:spPr/>
-        <p:txBody>
-          <a:bodyPr/>
-          <a:lstStyle/>
-          <a:p>
-            <a:r>
-              <a:rPr lang="en-US" dirty="0"/>
-              <a:t>CONTD..</a:t>
-            </a:r>
-            <a:endParaRPr lang="en-IN" dirty="0"/>
-          </a:p>
-        </p:txBody>
-      </p:sp>
-      <p:sp>
-        <p:nvSpPr>
-          <p:cNvPr id="3" name="Content Placeholder 2">
-            <a:extLst>
-              <a:ext uri="{FF2B5EF4-FFF2-40B4-BE49-F238E27FC236}">
-                <a16:creationId xmlns:a16="http://schemas.microsoft.com/office/drawing/2014/main" id="{AF9FD8A7-E4E7-4344-8921-7E82D2D969CA}"/>
-              </a:ext>
-            </a:extLst>
-          </p:cNvPr>
-          <p:cNvSpPr>
-            <a:spLocks noGrp="1"/>
-          </p:cNvSpPr>
-          <p:nvPr>
-            <p:ph idx="1"/>
-          </p:nvPr>
-        </p:nvSpPr>
-        <p:spPr/>
-        <p:txBody>
-          <a:bodyPr/>
-          <a:lstStyle/>
-          <a:p>
-            <a:r>
-              <a:rPr lang="en-US" dirty="0"/>
-              <a:t>There are 2 ways to change the mode of permissions.</a:t>
-            </a:r>
-          </a:p>
-          <a:p>
-            <a:r>
-              <a:rPr lang="en-US" dirty="0"/>
-              <a:t>1.</a:t>
-            </a:r>
-            <a:r>
-              <a:rPr lang="en-IN" dirty="0"/>
-              <a:t> Symbolic Method.</a:t>
-            </a:r>
-          </a:p>
-          <a:p>
-            <a:r>
-              <a:rPr lang="en-IN" dirty="0"/>
-              <a:t>2. Absolute/Octal Method.</a:t>
-            </a:r>
-            <a:endParaRPr lang="en-US" dirty="0"/>
-          </a:p>
-        </p:txBody>
-      </p:sp>
-    </p:spTree>
-    <p:extLst>
-      <p:ext uri="{BB962C8B-B14F-4D97-AF65-F5344CB8AC3E}">
-        <p14:creationId xmlns:p14="http://schemas.microsoft.com/office/powerpoint/2010/main" val="3774753702"/>
       </p:ext>
     </p:extLst>
   </p:cSld>
@@ -9304,15 +10461,6 @@
 </file>
 
 <file path=customXml/item2.xml><?xml version="1.0" encoding="utf-8"?>
-<?mso-contentType ?>
-<FormTemplates xmlns="http://schemas.microsoft.com/sharepoint/v3/contenttype/forms">
-  <Display>DocumentLibraryForm</Display>
-  <Edit>DocumentLibraryForm</Edit>
-  <New>DocumentLibraryForm</New>
-</FormTemplates>
-</file>
-
-<file path=customXml/item3.xml><?xml version="1.0" encoding="utf-8"?>
 <ct:contentTypeSchema xmlns:ct="http://schemas.microsoft.com/office/2006/metadata/contentType" xmlns:ma="http://schemas.microsoft.com/office/2006/metadata/properties/metaAttributes" ct:_="" ma:_="" ma:contentTypeName="Document" ma:contentTypeID="0x01010079F111ED35F8CC479449609E8A0923A6" ma:contentTypeVersion="12" ma:contentTypeDescription="Create a new document." ma:contentTypeScope="" ma:versionID="a410dd7f93c95333ffa1b60ed6adedd1">
   <xsd:schema xmlns:xsd="http://www.w3.org/2001/XMLSchema" xmlns:xs="http://www.w3.org/2001/XMLSchema" xmlns:p="http://schemas.microsoft.com/office/2006/metadata/properties" xmlns:ns2="71af3243-3dd4-4a8d-8c0d-dd76da1f02a5" xmlns:ns3="16c05727-aa75-4e4a-9b5f-8a80a1165891" targetNamespace="http://schemas.microsoft.com/office/2006/metadata/properties" ma:root="true" ma:fieldsID="a936d9baba76aa3866493feff160faab" ns2:_="" ns3:_="">
     <xsd:import namespace="71af3243-3dd4-4a8d-8c0d-dd76da1f02a5"/>
@@ -9533,6 +10681,15 @@
 </ct:contentTypeSchema>
 </file>
 
+<file path=customXml/item3.xml><?xml version="1.0" encoding="utf-8"?>
+<?mso-contentType ?>
+<FormTemplates xmlns="http://schemas.microsoft.com/sharepoint/v3/contenttype/forms">
+  <Display>DocumentLibraryForm</Display>
+  <Edit>DocumentLibraryForm</Edit>
+  <New>DocumentLibraryForm</New>
+</FormTemplates>
+</file>
+
 <file path=customXml/itemProps1.xml><?xml version="1.0" encoding="utf-8"?>
 <ds:datastoreItem xmlns:ds="http://schemas.openxmlformats.org/officeDocument/2006/customXml" ds:itemID="{4F5B1FD9-3BB6-4DA9-A089-3B68C2323D4F}">
   <ds:schemaRefs>
@@ -9544,14 +10701,6 @@
 </file>
 
 <file path=customXml/itemProps2.xml><?xml version="1.0" encoding="utf-8"?>
-<ds:datastoreItem xmlns:ds="http://schemas.openxmlformats.org/officeDocument/2006/customXml" ds:itemID="{638A3B04-B0F3-4C12-A722-52B5CF6D9723}">
-  <ds:schemaRefs>
-    <ds:schemaRef ds:uri="http://schemas.microsoft.com/sharepoint/v3/contenttype/forms"/>
-  </ds:schemaRefs>
-</ds:datastoreItem>
-</file>
-
-<file path=customXml/itemProps3.xml><?xml version="1.0" encoding="utf-8"?>
 <ds:datastoreItem xmlns:ds="http://schemas.openxmlformats.org/officeDocument/2006/customXml" ds:itemID="{1747A963-53E0-44AF-AF13-963FE676C682}">
   <ds:schemaRefs>
     <ds:schemaRef ds:uri="http://schemas.microsoft.com/office/2006/metadata/contentType"/>
@@ -9568,4 +10717,12 @@
     <ds:schemaRef ds:uri="http://schemas.microsoft.com/internal/obd"/>
   </ds:schemaRefs>
 </ds:datastoreItem>
+</file>
+
+<file path=customXml/itemProps3.xml><?xml version="1.0" encoding="utf-8"?>
+<ds:datastoreItem xmlns:ds="http://schemas.openxmlformats.org/officeDocument/2006/customXml" ds:itemID="{638A3B04-B0F3-4C12-A722-52B5CF6D9723}">
+  <ds:schemaRefs>
+    <ds:schemaRef ds:uri="http://schemas.microsoft.com/sharepoint/v3/contenttype/forms"/>
+  </ds:schemaRefs>
+</ds:datastoreItem>
 </file>